--- a/WCNPO Striped Marlin 21-Mar-2024.pptx
+++ b/WCNPO Striped Marlin 21-Mar-2024.pptx
@@ -14930,7 +14930,7 @@
           <a:p>
             <a:r>
               <a:rPr lang="en-US" dirty="0"/>
-              <a:t>Solution: Build set of R scripts analogous to r4ss to extract information from SS3 base case results to create AGEPRO input files that are the same as SS3 parameters. </a:t>
+              <a:t>Solution: Build set of R scripts analogous to r4ss to extract information from SS3 base case results to create AGEPRO input files that use the same parameters as the base case SS3 model. </a:t>
             </a:r>
           </a:p>
           <a:p>
@@ -14962,11 +14962,26 @@
             </a:pPr>
             <a:r>
               <a:rPr lang="en-US" dirty="0"/>
-              <a:t> Add more folder information and update R and other files </a:t>
-            </a:r>
-          </a:p>
-          <a:p>
-            <a:endParaRPr lang="en-US" dirty="0"/>
+              <a:t> Need to update repository to reflect March 2024 analyses</a:t>
+            </a:r>
+          </a:p>
+          <a:p>
+            <a:pPr lvl="1">
+              <a:buFont typeface="Wingdings" panose="05000000000000000000" pitchFamily="2" charset="2"/>
+              <a:buChar char="Ø"/>
+            </a:pPr>
+            <a:r>
+              <a:rPr lang="en-US" dirty="0"/>
+              <a:t>See folders /</a:t>
+            </a:r>
+            <a:r>
+              <a:rPr lang="en-US" dirty="0" err="1"/>
+              <a:t>Rscripts</a:t>
+            </a:r>
+            <a:r>
+              <a:rPr lang="en-US" dirty="0"/>
+              <a:t> and /Build-Input-File </a:t>
+            </a:r>
           </a:p>
         </p:txBody>
       </p:sp>
@@ -16396,7 +16411,15 @@
           <a:p>
             <a:r>
               <a:rPr lang="en-US" dirty="0"/>
-              <a:t>Rethinking on two issues for why SSB results did not approach </a:t>
+              <a:t>Rethinking why SSB projections at </a:t>
+            </a:r>
+            <a:r>
+              <a:rPr lang="en-US" dirty="0" err="1"/>
+              <a:t>Fmsy</a:t>
+            </a:r>
+            <a:r>
+              <a:rPr lang="en-US" dirty="0"/>
+              <a:t> did not approach </a:t>
             </a:r>
             <a:r>
               <a:rPr lang="en-US" dirty="0" err="1"/>
@@ -18940,7 +18963,7 @@
           <a:graphicData uri="http://schemas.openxmlformats.org/presentationml/2006/ole">
             <mc:AlternateContent xmlns:mc="http://schemas.openxmlformats.org/markup-compatibility/2006">
               <mc:Choice xmlns:v="urn:schemas-microsoft-com:vml" Requires="v">
-                <p:oleObj spid="_x0000_s1251" name="SPW 15.0 Graph" r:id="rId4" imgW="6194922" imgH="4331183" progId="SigmaPlotGraphicObject.15">
+                <p:oleObj spid="_x0000_s1255" name="SPW 15.0 Graph" r:id="rId4" imgW="6194922" imgH="4331183" progId="SigmaPlotGraphicObject.15">
                   <p:embed/>
                 </p:oleObj>
               </mc:Choice>
@@ -19316,8 +19339,8 @@
         </p:nvSpPr>
         <p:spPr>
           <a:xfrm>
-            <a:off x="0" y="1474470"/>
-            <a:ext cx="12192000" cy="5383529"/>
+            <a:off x="0" y="1195338"/>
+            <a:ext cx="12192000" cy="5662661"/>
           </a:xfrm>
         </p:spPr>
         <p:txBody>
@@ -19368,22 +19391,16 @@
           <a:p>
             <a:r>
               <a:rPr lang="en-US" dirty="0"/>
-              <a:t>Both SS3 and AGEPRO deterministic projections produce median SSBs about 9% above the point estimate of </a:t>
+              <a:t>SS3 and AGEPRO deterministic projections are consistent and produce median SSBs about 9% above the point estimate of </a:t>
             </a:r>
             <a:r>
               <a:rPr lang="en-US" dirty="0" err="1"/>
               <a:t>SSBmsy</a:t>
             </a:r>
             <a:r>
-              <a:rPr lang="en-US" dirty="0"/>
+              <a:rPr lang="en-US"/>
               <a:t> </a:t>
             </a:r>
-          </a:p>
-          <a:p>
-            <a:pPr>
-              <a:buFont typeface="Wingdings" panose="05000000000000000000" pitchFamily="2" charset="2"/>
-              <a:buChar char="Ø"/>
-            </a:pPr>
             <a:endParaRPr lang="en-US" dirty="0"/>
           </a:p>
           <a:p>
